--- a/docs/conservative_regridding_test.pptx
+++ b/docs/conservative_regridding_test.pptx
@@ -6504,7 +6504,7 @@
           <a:bodyPr/>
           <a:lstStyle/>
           <a:p>
-            <a:endParaRPr lang="en-NZ"/>
+            <a:endParaRPr lang="en-NZ" dirty="0"/>
           </a:p>
         </p:txBody>
       </p:sp>
